--- a/Data Practicum I - Presentation Slides.pptx
+++ b/Data Practicum I - Presentation Slides.pptx
@@ -168,7 +168,7 @@
 <file path=ppt/revisionInfo.xml><?xml version="1.0" encoding="utf-8"?>
 <p1510:revInfo xmlns:a="http://schemas.openxmlformats.org/drawingml/2006/main" xmlns:r="http://schemas.openxmlformats.org/officeDocument/2006/relationships" xmlns:p1510="http://schemas.microsoft.com/office/powerpoint/2015/10/main">
   <p1510:revLst>
-    <p1510:client id="{3BA91A6C-0C77-4AA6-A5E5-747CDFD24495}" v="49" dt="2020-03-10T11:25:34.641"/>
+    <p1510:client id="{3EC411D5-6E7A-40A0-A43A-D90253020499}" v="1" dt="2020-03-12T10:47:43.391"/>
   </p1510:revLst>
 </p1510:revInfo>
 </file>
@@ -176,554 +176,41 @@
 <file path=ppt/changesInfos/changesInfo1.xml><?xml version="1.0" encoding="utf-8"?>
 <pc:chgInfo xmlns:a="http://schemas.openxmlformats.org/drawingml/2006/main" xmlns:r="http://schemas.openxmlformats.org/officeDocument/2006/relationships" xmlns:ac="http://schemas.microsoft.com/office/drawing/2013/main/command" xmlns:pc="http://schemas.microsoft.com/office/powerpoint/2013/main/command">
   <pc:docChgLst>
-    <pc:chgData name="suresh kumar dontha" userId="433f226624fc78cf" providerId="LiveId" clId="{3BA91A6C-0C77-4AA6-A5E5-747CDFD24495}"/>
-    <pc:docChg chg="undo custSel addSld delSld modSld addSection modSection">
-      <pc:chgData name="suresh kumar dontha" userId="433f226624fc78cf" providerId="LiveId" clId="{3BA91A6C-0C77-4AA6-A5E5-747CDFD24495}" dt="2020-03-10T11:27:14.361" v="1288" actId="20577"/>
+    <pc:chgData name="suresh kumar dontha" userId="433f226624fc78cf" providerId="LiveId" clId="{3EC411D5-6E7A-40A0-A43A-D90253020499}"/>
+    <pc:docChg chg="custSel modSld">
+      <pc:chgData name="suresh kumar dontha" userId="433f226624fc78cf" providerId="LiveId" clId="{3EC411D5-6E7A-40A0-A43A-D90253020499}" dt="2020-03-12T10:48:08.455" v="131" actId="14100"/>
       <pc:docMkLst>
         <pc:docMk/>
       </pc:docMkLst>
       <pc:sldChg chg="modSp mod">
-        <pc:chgData name="suresh kumar dontha" userId="433f226624fc78cf" providerId="LiveId" clId="{3BA91A6C-0C77-4AA6-A5E5-747CDFD24495}" dt="2020-03-10T11:27:14.361" v="1288" actId="20577"/>
-        <pc:sldMkLst>
-          <pc:docMk/>
-          <pc:sldMk cId="3984617762" sldId="257"/>
-        </pc:sldMkLst>
-        <pc:spChg chg="mod">
-          <ac:chgData name="suresh kumar dontha" userId="433f226624fc78cf" providerId="LiveId" clId="{3BA91A6C-0C77-4AA6-A5E5-747CDFD24495}" dt="2020-03-10T10:03:21.519" v="858" actId="20577"/>
-          <ac:spMkLst>
-            <pc:docMk/>
-            <pc:sldMk cId="3984617762" sldId="257"/>
-            <ac:spMk id="2" creationId="{00000000-0000-0000-0000-000000000000}"/>
-          </ac:spMkLst>
-        </pc:spChg>
-        <pc:spChg chg="mod">
-          <ac:chgData name="suresh kumar dontha" userId="433f226624fc78cf" providerId="LiveId" clId="{3BA91A6C-0C77-4AA6-A5E5-747CDFD24495}" dt="2020-03-10T11:27:14.361" v="1288" actId="20577"/>
-          <ac:spMkLst>
-            <pc:docMk/>
-            <pc:sldMk cId="3984617762" sldId="257"/>
-            <ac:spMk id="3" creationId="{00000000-0000-0000-0000-000000000000}"/>
-          </ac:spMkLst>
-        </pc:spChg>
-      </pc:sldChg>
-      <pc:sldChg chg="delSp modSp mod">
-        <pc:chgData name="suresh kumar dontha" userId="433f226624fc78cf" providerId="LiveId" clId="{3BA91A6C-0C77-4AA6-A5E5-747CDFD24495}" dt="2020-03-10T11:26:48.472" v="1278" actId="478"/>
-        <pc:sldMkLst>
-          <pc:docMk/>
-          <pc:sldMk cId="106904919" sldId="261"/>
-        </pc:sldMkLst>
-        <pc:spChg chg="del mod">
-          <ac:chgData name="suresh kumar dontha" userId="433f226624fc78cf" providerId="LiveId" clId="{3BA91A6C-0C77-4AA6-A5E5-747CDFD24495}" dt="2020-03-10T11:26:48.472" v="1278" actId="478"/>
-          <ac:spMkLst>
-            <pc:docMk/>
-            <pc:sldMk cId="106904919" sldId="261"/>
-            <ac:spMk id="3" creationId="{00000000-0000-0000-0000-000000000000}"/>
-          </ac:spMkLst>
-        </pc:spChg>
-      </pc:sldChg>
-      <pc:sldChg chg="addSp delSp modSp mod">
-        <pc:chgData name="suresh kumar dontha" userId="433f226624fc78cf" providerId="LiveId" clId="{3BA91A6C-0C77-4AA6-A5E5-747CDFD24495}" dt="2020-03-10T10:10:58.201" v="1043" actId="1440"/>
+        <pc:chgData name="suresh kumar dontha" userId="433f226624fc78cf" providerId="LiveId" clId="{3EC411D5-6E7A-40A0-A43A-D90253020499}" dt="2020-03-12T10:43:15.014" v="123" actId="20577"/>
         <pc:sldMkLst>
           <pc:docMk/>
           <pc:sldMk cId="1476019738" sldId="262"/>
         </pc:sldMkLst>
         <pc:spChg chg="mod">
-          <ac:chgData name="suresh kumar dontha" userId="433f226624fc78cf" providerId="LiveId" clId="{3BA91A6C-0C77-4AA6-A5E5-747CDFD24495}" dt="2020-03-10T10:08:09.896" v="1009" actId="1076"/>
-          <ac:spMkLst>
-            <pc:docMk/>
-            <pc:sldMk cId="1476019738" sldId="262"/>
-            <ac:spMk id="2" creationId="{00000000-0000-0000-0000-000000000000}"/>
-          </ac:spMkLst>
-        </pc:spChg>
-        <pc:spChg chg="del mod">
-          <ac:chgData name="suresh kumar dontha" userId="433f226624fc78cf" providerId="LiveId" clId="{3BA91A6C-0C77-4AA6-A5E5-747CDFD24495}" dt="2020-03-10T10:07:19.712" v="1001" actId="478"/>
-          <ac:spMkLst>
-            <pc:docMk/>
-            <pc:sldMk cId="1476019738" sldId="262"/>
-            <ac:spMk id="3" creationId="{00000000-0000-0000-0000-000000000000}"/>
-          </ac:spMkLst>
-        </pc:spChg>
-        <pc:spChg chg="add del mod">
-          <ac:chgData name="suresh kumar dontha" userId="433f226624fc78cf" providerId="LiveId" clId="{3BA91A6C-0C77-4AA6-A5E5-747CDFD24495}" dt="2020-03-10T10:07:26.541" v="1003" actId="478"/>
-          <ac:spMkLst>
-            <pc:docMk/>
-            <pc:sldMk cId="1476019738" sldId="262"/>
-            <ac:spMk id="5" creationId="{C249979A-9EF2-4D80-B967-017D2B91DB2F}"/>
-          </ac:spMkLst>
-        </pc:spChg>
-        <pc:spChg chg="add mod">
-          <ac:chgData name="suresh kumar dontha" userId="433f226624fc78cf" providerId="LiveId" clId="{3BA91A6C-0C77-4AA6-A5E5-747CDFD24495}" dt="2020-03-10T10:10:48.445" v="1042" actId="27636"/>
+          <ac:chgData name="suresh kumar dontha" userId="433f226624fc78cf" providerId="LiveId" clId="{3EC411D5-6E7A-40A0-A43A-D90253020499}" dt="2020-03-12T10:43:15.014" v="123" actId="20577"/>
           <ac:spMkLst>
             <pc:docMk/>
             <pc:sldMk cId="1476019738" sldId="262"/>
             <ac:spMk id="6" creationId="{38FBD358-E637-4955-AE3F-C831E8964731}"/>
           </ac:spMkLst>
         </pc:spChg>
-        <pc:picChg chg="add mod">
-          <ac:chgData name="suresh kumar dontha" userId="433f226624fc78cf" providerId="LiveId" clId="{3BA91A6C-0C77-4AA6-A5E5-747CDFD24495}" dt="2020-03-10T10:10:58.201" v="1043" actId="1440"/>
-          <ac:picMkLst>
-            <pc:docMk/>
-            <pc:sldMk cId="1476019738" sldId="262"/>
-            <ac:picMk id="7" creationId="{67AB8360-3977-43EF-A3F5-0F5BF72A5B08}"/>
-          </ac:picMkLst>
-        </pc:picChg>
       </pc:sldChg>
       <pc:sldChg chg="addSp modSp mod">
-        <pc:chgData name="suresh kumar dontha" userId="433f226624fc78cf" providerId="LiveId" clId="{3BA91A6C-0C77-4AA6-A5E5-747CDFD24495}" dt="2020-03-10T09:19:45.182" v="410" actId="1076"/>
-        <pc:sldMkLst>
-          <pc:docMk/>
-          <pc:sldMk cId="2475092730" sldId="263"/>
-        </pc:sldMkLst>
-        <pc:spChg chg="add mod">
-          <ac:chgData name="suresh kumar dontha" userId="433f226624fc78cf" providerId="LiveId" clId="{3BA91A6C-0C77-4AA6-A5E5-747CDFD24495}" dt="2020-03-10T09:19:45.182" v="410" actId="1076"/>
-          <ac:spMkLst>
-            <pc:docMk/>
-            <pc:sldMk cId="2475092730" sldId="263"/>
-            <ac:spMk id="3" creationId="{56EE7179-2489-4EAC-AFCD-62BBD995AAC7}"/>
-          </ac:spMkLst>
-        </pc:spChg>
-        <pc:spChg chg="add mod">
-          <ac:chgData name="suresh kumar dontha" userId="433f226624fc78cf" providerId="LiveId" clId="{3BA91A6C-0C77-4AA6-A5E5-747CDFD24495}" dt="2020-03-10T09:19:35.234" v="408" actId="113"/>
-          <ac:spMkLst>
-            <pc:docMk/>
-            <pc:sldMk cId="2475092730" sldId="263"/>
-            <ac:spMk id="9" creationId="{86331785-1289-4774-A2E7-C9AD6407E5CC}"/>
-          </ac:spMkLst>
-        </pc:spChg>
-        <pc:picChg chg="mod">
-          <ac:chgData name="suresh kumar dontha" userId="433f226624fc78cf" providerId="LiveId" clId="{3BA91A6C-0C77-4AA6-A5E5-747CDFD24495}" dt="2020-03-10T09:19:08.386" v="402" actId="1076"/>
-          <ac:picMkLst>
-            <pc:docMk/>
-            <pc:sldMk cId="2475092730" sldId="263"/>
-            <ac:picMk id="7" creationId="{00000000-0000-0000-0000-000000000000}"/>
-          </ac:picMkLst>
-        </pc:picChg>
-        <pc:picChg chg="mod">
-          <ac:chgData name="suresh kumar dontha" userId="433f226624fc78cf" providerId="LiveId" clId="{3BA91A6C-0C77-4AA6-A5E5-747CDFD24495}" dt="2020-03-10T09:19:21.030" v="405" actId="14100"/>
-          <ac:picMkLst>
-            <pc:docMk/>
-            <pc:sldMk cId="2475092730" sldId="263"/>
-            <ac:picMk id="8" creationId="{00000000-0000-0000-0000-000000000000}"/>
-          </ac:picMkLst>
-        </pc:picChg>
-      </pc:sldChg>
-      <pc:sldChg chg="modSp del mod">
-        <pc:chgData name="suresh kumar dontha" userId="433f226624fc78cf" providerId="LiveId" clId="{3BA91A6C-0C77-4AA6-A5E5-747CDFD24495}" dt="2020-03-10T11:25:37.078" v="1266" actId="47"/>
-        <pc:sldMkLst>
-          <pc:docMk/>
-          <pc:sldMk cId="2761515851" sldId="264"/>
-        </pc:sldMkLst>
-        <pc:picChg chg="mod">
-          <ac:chgData name="suresh kumar dontha" userId="433f226624fc78cf" providerId="LiveId" clId="{3BA91A6C-0C77-4AA6-A5E5-747CDFD24495}" dt="2020-03-10T11:17:04.472" v="1151" actId="1076"/>
-          <ac:picMkLst>
-            <pc:docMk/>
-            <pc:sldMk cId="2761515851" sldId="264"/>
-            <ac:picMk id="5" creationId="{00000000-0000-0000-0000-000000000000}"/>
-          </ac:picMkLst>
-        </pc:picChg>
-      </pc:sldChg>
-      <pc:sldChg chg="del">
-        <pc:chgData name="suresh kumar dontha" userId="433f226624fc78cf" providerId="LiveId" clId="{3BA91A6C-0C77-4AA6-A5E5-747CDFD24495}" dt="2020-03-10T11:18:20.502" v="1158" actId="47"/>
-        <pc:sldMkLst>
-          <pc:docMk/>
-          <pc:sldMk cId="2362296366" sldId="265"/>
-        </pc:sldMkLst>
-      </pc:sldChg>
-      <pc:sldChg chg="del">
-        <pc:chgData name="suresh kumar dontha" userId="433f226624fc78cf" providerId="LiveId" clId="{3BA91A6C-0C77-4AA6-A5E5-747CDFD24495}" dt="2020-03-10T11:18:29.227" v="1159" actId="47"/>
-        <pc:sldMkLst>
-          <pc:docMk/>
-          <pc:sldMk cId="3229171051" sldId="266"/>
-        </pc:sldMkLst>
-      </pc:sldChg>
-      <pc:sldChg chg="addSp modSp mod">
-        <pc:chgData name="suresh kumar dontha" userId="433f226624fc78cf" providerId="LiveId" clId="{3BA91A6C-0C77-4AA6-A5E5-747CDFD24495}" dt="2020-03-10T11:21:27.061" v="1196" actId="14100"/>
-        <pc:sldMkLst>
-          <pc:docMk/>
-          <pc:sldMk cId="452733939" sldId="267"/>
-        </pc:sldMkLst>
-        <pc:spChg chg="mod">
-          <ac:chgData name="suresh kumar dontha" userId="433f226624fc78cf" providerId="LiveId" clId="{3BA91A6C-0C77-4AA6-A5E5-747CDFD24495}" dt="2020-03-10T11:18:46.569" v="1172" actId="14100"/>
-          <ac:spMkLst>
-            <pc:docMk/>
-            <pc:sldMk cId="452733939" sldId="267"/>
-            <ac:spMk id="2" creationId="{00000000-0000-0000-0000-000000000000}"/>
-          </ac:spMkLst>
-        </pc:spChg>
-        <pc:spChg chg="add mod">
-          <ac:chgData name="suresh kumar dontha" userId="433f226624fc78cf" providerId="LiveId" clId="{3BA91A6C-0C77-4AA6-A5E5-747CDFD24495}" dt="2020-03-10T11:21:27.061" v="1196" actId="14100"/>
-          <ac:spMkLst>
-            <pc:docMk/>
-            <pc:sldMk cId="452733939" sldId="267"/>
-            <ac:spMk id="3" creationId="{EB03F744-C5E3-4B20-ADA4-4DB60D9F36CC}"/>
-          </ac:spMkLst>
-        </pc:spChg>
-      </pc:sldChg>
-      <pc:sldChg chg="del">
-        <pc:chgData name="suresh kumar dontha" userId="433f226624fc78cf" providerId="LiveId" clId="{3BA91A6C-0C77-4AA6-A5E5-747CDFD24495}" dt="2020-03-10T11:21:37.389" v="1199" actId="47"/>
-        <pc:sldMkLst>
-          <pc:docMk/>
-          <pc:sldMk cId="1544302913" sldId="268"/>
-        </pc:sldMkLst>
-      </pc:sldChg>
-      <pc:sldChg chg="del">
-        <pc:chgData name="suresh kumar dontha" userId="433f226624fc78cf" providerId="LiveId" clId="{3BA91A6C-0C77-4AA6-A5E5-747CDFD24495}" dt="2020-03-10T11:21:34.889" v="1197" actId="47"/>
-        <pc:sldMkLst>
-          <pc:docMk/>
-          <pc:sldMk cId="4101607575" sldId="269"/>
-        </pc:sldMkLst>
-      </pc:sldChg>
-      <pc:sldChg chg="del">
-        <pc:chgData name="suresh kumar dontha" userId="433f226624fc78cf" providerId="LiveId" clId="{3BA91A6C-0C77-4AA6-A5E5-747CDFD24495}" dt="2020-03-10T11:21:36.389" v="1198" actId="47"/>
-        <pc:sldMkLst>
-          <pc:docMk/>
-          <pc:sldMk cId="2794409471" sldId="270"/>
-        </pc:sldMkLst>
-      </pc:sldChg>
-      <pc:sldChg chg="addSp delSp modSp mod">
-        <pc:chgData name="suresh kumar dontha" userId="433f226624fc78cf" providerId="LiveId" clId="{3BA91A6C-0C77-4AA6-A5E5-747CDFD24495}" dt="2020-03-10T11:24:44.220" v="1239" actId="14100"/>
-        <pc:sldMkLst>
-          <pc:docMk/>
-          <pc:sldMk cId="2782776331" sldId="271"/>
-        </pc:sldMkLst>
-        <pc:spChg chg="mod">
-          <ac:chgData name="suresh kumar dontha" userId="433f226624fc78cf" providerId="LiveId" clId="{3BA91A6C-0C77-4AA6-A5E5-747CDFD24495}" dt="2020-03-10T11:24:44.220" v="1239" actId="14100"/>
-          <ac:spMkLst>
-            <pc:docMk/>
-            <pc:sldMk cId="2782776331" sldId="271"/>
-            <ac:spMk id="2" creationId="{00000000-0000-0000-0000-000000000000}"/>
-          </ac:spMkLst>
-        </pc:spChg>
-        <pc:spChg chg="add del mod">
-          <ac:chgData name="suresh kumar dontha" userId="433f226624fc78cf" providerId="LiveId" clId="{3BA91A6C-0C77-4AA6-A5E5-747CDFD24495}" dt="2020-03-10T09:45:02.869" v="796" actId="478"/>
-          <ac:spMkLst>
-            <pc:docMk/>
-            <pc:sldMk cId="2782776331" sldId="271"/>
-            <ac:spMk id="5" creationId="{A31CC849-5DF3-4697-8162-3ED6810915CA}"/>
-          </ac:spMkLst>
-        </pc:spChg>
-        <pc:spChg chg="add mod">
-          <ac:chgData name="suresh kumar dontha" userId="433f226624fc78cf" providerId="LiveId" clId="{3BA91A6C-0C77-4AA6-A5E5-747CDFD24495}" dt="2020-03-10T10:57:08.341" v="1062" actId="14100"/>
-          <ac:spMkLst>
-            <pc:docMk/>
-            <pc:sldMk cId="2782776331" sldId="271"/>
-            <ac:spMk id="6" creationId="{A2E25701-69F8-4CF8-84A4-731E9082116E}"/>
-          </ac:spMkLst>
-        </pc:spChg>
-        <pc:picChg chg="add mod">
-          <ac:chgData name="suresh kumar dontha" userId="433f226624fc78cf" providerId="LiveId" clId="{3BA91A6C-0C77-4AA6-A5E5-747CDFD24495}" dt="2020-03-10T11:23:59.688" v="1216" actId="1076"/>
-          <ac:picMkLst>
-            <pc:docMk/>
-            <pc:sldMk cId="2782776331" sldId="271"/>
-            <ac:picMk id="3" creationId="{495CE44D-15A4-4240-ACA5-6CCDC3793F10}"/>
-          </ac:picMkLst>
-        </pc:picChg>
-        <pc:picChg chg="mod">
-          <ac:chgData name="suresh kumar dontha" userId="433f226624fc78cf" providerId="LiveId" clId="{3BA91A6C-0C77-4AA6-A5E5-747CDFD24495}" dt="2020-03-10T11:23:59.688" v="1216" actId="1076"/>
-          <ac:picMkLst>
-            <pc:docMk/>
-            <pc:sldMk cId="2782776331" sldId="271"/>
-            <ac:picMk id="4" creationId="{00000000-0000-0000-0000-000000000000}"/>
-          </ac:picMkLst>
-        </pc:picChg>
-        <pc:picChg chg="add mod">
-          <ac:chgData name="suresh kumar dontha" userId="433f226624fc78cf" providerId="LiveId" clId="{3BA91A6C-0C77-4AA6-A5E5-747CDFD24495}" dt="2020-03-10T11:23:52.465" v="1215" actId="1076"/>
-          <ac:picMkLst>
-            <pc:docMk/>
-            <pc:sldMk cId="2782776331" sldId="271"/>
-            <ac:picMk id="7" creationId="{267CBBB7-30EB-4245-B220-CD5E76F1CE9C}"/>
-          </ac:picMkLst>
-        </pc:picChg>
-        <pc:picChg chg="add mod">
-          <ac:chgData name="suresh kumar dontha" userId="433f226624fc78cf" providerId="LiveId" clId="{3BA91A6C-0C77-4AA6-A5E5-747CDFD24495}" dt="2020-03-10T11:23:52.465" v="1215" actId="1076"/>
-          <ac:picMkLst>
-            <pc:docMk/>
-            <pc:sldMk cId="2782776331" sldId="271"/>
-            <ac:picMk id="8" creationId="{FC28F78F-D66A-4C56-90DE-DDE8DAD989A7}"/>
-          </ac:picMkLst>
-        </pc:picChg>
-      </pc:sldChg>
-      <pc:sldChg chg="addSp delSp modSp mod">
-        <pc:chgData name="suresh kumar dontha" userId="433f226624fc78cf" providerId="LiveId" clId="{3BA91A6C-0C77-4AA6-A5E5-747CDFD24495}" dt="2020-03-10T09:58:14.872" v="816" actId="1076"/>
-        <pc:sldMkLst>
-          <pc:docMk/>
-          <pc:sldMk cId="2528361776" sldId="272"/>
-        </pc:sldMkLst>
-        <pc:spChg chg="mod">
-          <ac:chgData name="suresh kumar dontha" userId="433f226624fc78cf" providerId="LiveId" clId="{3BA91A6C-0C77-4AA6-A5E5-747CDFD24495}" dt="2020-03-10T09:44:31.431" v="791" actId="14100"/>
-          <ac:spMkLst>
-            <pc:docMk/>
-            <pc:sldMk cId="2528361776" sldId="272"/>
-            <ac:spMk id="2" creationId="{00000000-0000-0000-0000-000000000000}"/>
-          </ac:spMkLst>
-        </pc:spChg>
-        <pc:spChg chg="add del mod">
-          <ac:chgData name="suresh kumar dontha" userId="433f226624fc78cf" providerId="LiveId" clId="{3BA91A6C-0C77-4AA6-A5E5-747CDFD24495}" dt="2020-03-10T09:09:40.439" v="50" actId="478"/>
-          <ac:spMkLst>
-            <pc:docMk/>
-            <pc:sldMk cId="2528361776" sldId="272"/>
-            <ac:spMk id="3" creationId="{8B3298E1-B28A-4E51-A7E4-66FC7959A804}"/>
-          </ac:spMkLst>
-        </pc:spChg>
-        <pc:spChg chg="add del mod">
-          <ac:chgData name="suresh kumar dontha" userId="433f226624fc78cf" providerId="LiveId" clId="{3BA91A6C-0C77-4AA6-A5E5-747CDFD24495}" dt="2020-03-10T09:12:02.292" v="220" actId="478"/>
-          <ac:spMkLst>
-            <pc:docMk/>
-            <pc:sldMk cId="2528361776" sldId="272"/>
-            <ac:spMk id="6" creationId="{C6351BDB-48BB-41D6-ABDE-8858965C115B}"/>
-          </ac:spMkLst>
-        </pc:spChg>
-        <pc:spChg chg="add del mod">
-          <ac:chgData name="suresh kumar dontha" userId="433f226624fc78cf" providerId="LiveId" clId="{3BA91A6C-0C77-4AA6-A5E5-747CDFD24495}" dt="2020-03-10T09:20:14.928" v="418" actId="478"/>
-          <ac:spMkLst>
-            <pc:docMk/>
-            <pc:sldMk cId="2528361776" sldId="272"/>
-            <ac:spMk id="10" creationId="{A37810E7-A68D-4E27-9014-C8ABEEAB59BA}"/>
-          </ac:spMkLst>
-        </pc:spChg>
-        <pc:spChg chg="add del mod">
-          <ac:chgData name="suresh kumar dontha" userId="433f226624fc78cf" providerId="LiveId" clId="{3BA91A6C-0C77-4AA6-A5E5-747CDFD24495}" dt="2020-03-10T09:22:54.274" v="423"/>
-          <ac:spMkLst>
-            <pc:docMk/>
-            <pc:sldMk cId="2528361776" sldId="272"/>
-            <ac:spMk id="11" creationId="{48F72773-A451-47BC-AAF7-5FC818C97DB6}"/>
-          </ac:spMkLst>
-        </pc:spChg>
-        <pc:spChg chg="add del mod">
-          <ac:chgData name="suresh kumar dontha" userId="433f226624fc78cf" providerId="LiveId" clId="{3BA91A6C-0C77-4AA6-A5E5-747CDFD24495}" dt="2020-03-10T09:24:47.483" v="442"/>
-          <ac:spMkLst>
-            <pc:docMk/>
-            <pc:sldMk cId="2528361776" sldId="272"/>
-            <ac:spMk id="12" creationId="{E77A6F06-8542-4D1D-917A-6586F47B489A}"/>
-          </ac:spMkLst>
-        </pc:spChg>
-        <pc:spChg chg="add del mod">
-          <ac:chgData name="suresh kumar dontha" userId="433f226624fc78cf" providerId="LiveId" clId="{3BA91A6C-0C77-4AA6-A5E5-747CDFD24495}" dt="2020-03-10T09:38:03.133" v="512" actId="478"/>
-          <ac:spMkLst>
-            <pc:docMk/>
-            <pc:sldMk cId="2528361776" sldId="272"/>
-            <ac:spMk id="13" creationId="{0CF8FBF9-6C00-489B-81BE-A2E71F699EBD}"/>
-          </ac:spMkLst>
-        </pc:spChg>
-        <pc:spChg chg="add mod">
-          <ac:chgData name="suresh kumar dontha" userId="433f226624fc78cf" providerId="LiveId" clId="{3BA91A6C-0C77-4AA6-A5E5-747CDFD24495}" dt="2020-03-10T09:43:34.436" v="785" actId="1076"/>
-          <ac:spMkLst>
-            <pc:docMk/>
-            <pc:sldMk cId="2528361776" sldId="272"/>
-            <ac:spMk id="14" creationId="{049C1BF9-D336-4EEB-8481-E92D6CED85B2}"/>
-          </ac:spMkLst>
-        </pc:spChg>
-        <pc:graphicFrameChg chg="add del">
-          <ac:chgData name="suresh kumar dontha" userId="433f226624fc78cf" providerId="LiveId" clId="{3BA91A6C-0C77-4AA6-A5E5-747CDFD24495}" dt="2020-03-10T09:08:54.382" v="46"/>
-          <ac:graphicFrameMkLst>
-            <pc:docMk/>
-            <pc:sldMk cId="2528361776" sldId="272"/>
-            <ac:graphicFrameMk id="4" creationId="{B41AFA2A-E35C-4896-BBEE-4B2765D0FF9D}"/>
-          </ac:graphicFrameMkLst>
-        </pc:graphicFrameChg>
-        <pc:picChg chg="add del mod">
-          <ac:chgData name="suresh kumar dontha" userId="433f226624fc78cf" providerId="LiveId" clId="{3BA91A6C-0C77-4AA6-A5E5-747CDFD24495}" dt="2020-03-10T09:43:03.639" v="782" actId="478"/>
-          <ac:picMkLst>
-            <pc:docMk/>
-            <pc:sldMk cId="2528361776" sldId="272"/>
-            <ac:picMk id="5" creationId="{CB231B67-CDD7-406A-B905-343C09442C06}"/>
-          </ac:picMkLst>
-        </pc:picChg>
-        <pc:picChg chg="add del">
-          <ac:chgData name="suresh kumar dontha" userId="433f226624fc78cf" providerId="LiveId" clId="{3BA91A6C-0C77-4AA6-A5E5-747CDFD24495}" dt="2020-03-10T09:12:12.228" v="223" actId="478"/>
-          <ac:picMkLst>
-            <pc:docMk/>
-            <pc:sldMk cId="2528361776" sldId="272"/>
-            <ac:picMk id="7" creationId="{4E2FC58B-C7FC-4B66-B2FB-B175CD611196}"/>
-          </ac:picMkLst>
-        </pc:picChg>
-        <pc:picChg chg="add mod">
-          <ac:chgData name="suresh kumar dontha" userId="433f226624fc78cf" providerId="LiveId" clId="{3BA91A6C-0C77-4AA6-A5E5-747CDFD24495}" dt="2020-03-10T09:58:14.872" v="816" actId="1076"/>
-          <ac:picMkLst>
-            <pc:docMk/>
-            <pc:sldMk cId="2528361776" sldId="272"/>
-            <ac:picMk id="8" creationId="{3BBC3469-93AC-46B8-920A-A05D261E3BDC}"/>
-          </ac:picMkLst>
-        </pc:picChg>
-        <pc:picChg chg="add mod">
-          <ac:chgData name="suresh kumar dontha" userId="433f226624fc78cf" providerId="LiveId" clId="{3BA91A6C-0C77-4AA6-A5E5-747CDFD24495}" dt="2020-03-10T09:58:14.872" v="816" actId="1076"/>
-          <ac:picMkLst>
-            <pc:docMk/>
-            <pc:sldMk cId="2528361776" sldId="272"/>
-            <ac:picMk id="9" creationId="{20B20FF1-6790-4C2A-8F5A-BDB5E4A88FB8}"/>
-          </ac:picMkLst>
-        </pc:picChg>
-        <pc:picChg chg="mod">
-          <ac:chgData name="suresh kumar dontha" userId="433f226624fc78cf" providerId="LiveId" clId="{3BA91A6C-0C77-4AA6-A5E5-747CDFD24495}" dt="2020-03-10T09:43:24.659" v="784" actId="1076"/>
-          <ac:picMkLst>
-            <pc:docMk/>
-            <pc:sldMk cId="2528361776" sldId="272"/>
-            <ac:picMk id="1028" creationId="{00000000-0000-0000-0000-000000000000}"/>
-          </ac:picMkLst>
-        </pc:picChg>
-      </pc:sldChg>
-      <pc:sldChg chg="addSp delSp modSp add mod">
-        <pc:chgData name="suresh kumar dontha" userId="433f226624fc78cf" providerId="LiveId" clId="{3BA91A6C-0C77-4AA6-A5E5-747CDFD24495}" dt="2020-03-10T11:26:35.582" v="1276" actId="1440"/>
-        <pc:sldMkLst>
-          <pc:docMk/>
-          <pc:sldMk cId="2778719193" sldId="273"/>
-        </pc:sldMkLst>
-        <pc:spChg chg="mod">
-          <ac:chgData name="suresh kumar dontha" userId="433f226624fc78cf" providerId="LiveId" clId="{3BA91A6C-0C77-4AA6-A5E5-747CDFD24495}" dt="2020-03-10T11:01:45.091" v="1095" actId="20577"/>
-          <ac:spMkLst>
-            <pc:docMk/>
-            <pc:sldMk cId="2778719193" sldId="273"/>
-            <ac:spMk id="2" creationId="{00000000-0000-0000-0000-000000000000}"/>
-          </ac:spMkLst>
-        </pc:spChg>
-        <pc:spChg chg="add del mod">
-          <ac:chgData name="suresh kumar dontha" userId="433f226624fc78cf" providerId="LiveId" clId="{3BA91A6C-0C77-4AA6-A5E5-747CDFD24495}" dt="2020-03-10T11:01:52.436" v="1096" actId="478"/>
-          <ac:spMkLst>
-            <pc:docMk/>
-            <pc:sldMk cId="2778719193" sldId="273"/>
-            <ac:spMk id="4" creationId="{D63DFF6B-C3F1-45E9-A580-047361165E55}"/>
-          </ac:spMkLst>
-        </pc:spChg>
-        <pc:picChg chg="del">
-          <ac:chgData name="suresh kumar dontha" userId="433f226624fc78cf" providerId="LiveId" clId="{3BA91A6C-0C77-4AA6-A5E5-747CDFD24495}" dt="2020-03-10T11:01:07.228" v="1076" actId="478"/>
-          <ac:picMkLst>
-            <pc:docMk/>
-            <pc:sldMk cId="2778719193" sldId="273"/>
-            <ac:picMk id="5" creationId="{00000000-0000-0000-0000-000000000000}"/>
-          </ac:picMkLst>
-        </pc:picChg>
-        <pc:picChg chg="add mod">
-          <ac:chgData name="suresh kumar dontha" userId="433f226624fc78cf" providerId="LiveId" clId="{3BA91A6C-0C77-4AA6-A5E5-747CDFD24495}" dt="2020-03-10T11:26:35.582" v="1276" actId="1440"/>
-          <ac:picMkLst>
-            <pc:docMk/>
-            <pc:sldMk cId="2778719193" sldId="273"/>
-            <ac:picMk id="6" creationId="{F94BCA70-77DF-4FD2-B086-C9561D944CF1}"/>
-          </ac:picMkLst>
-        </pc:picChg>
-      </pc:sldChg>
-      <pc:sldChg chg="addSp delSp modSp add mod">
-        <pc:chgData name="suresh kumar dontha" userId="433f226624fc78cf" providerId="LiveId" clId="{3BA91A6C-0C77-4AA6-A5E5-747CDFD24495}" dt="2020-03-10T11:11:16.730" v="1144" actId="1076"/>
-        <pc:sldMkLst>
-          <pc:docMk/>
-          <pc:sldMk cId="2144338207" sldId="274"/>
-        </pc:sldMkLst>
-        <pc:spChg chg="mod">
-          <ac:chgData name="suresh kumar dontha" userId="433f226624fc78cf" providerId="LiveId" clId="{3BA91A6C-0C77-4AA6-A5E5-747CDFD24495}" dt="2020-03-10T11:08:16.033" v="1128" actId="1076"/>
-          <ac:spMkLst>
-            <pc:docMk/>
-            <pc:sldMk cId="2144338207" sldId="274"/>
-            <ac:spMk id="2" creationId="{00000000-0000-0000-0000-000000000000}"/>
-          </ac:spMkLst>
-        </pc:spChg>
-        <pc:spChg chg="add mod">
-          <ac:chgData name="suresh kumar dontha" userId="433f226624fc78cf" providerId="LiveId" clId="{3BA91A6C-0C77-4AA6-A5E5-747CDFD24495}" dt="2020-03-10T11:10:30.106" v="1138" actId="1076"/>
-          <ac:spMkLst>
-            <pc:docMk/>
-            <pc:sldMk cId="2144338207" sldId="274"/>
-            <ac:spMk id="7" creationId="{C72D89D0-FA8E-4EE7-9C1B-71121255C726}"/>
-          </ac:spMkLst>
-        </pc:spChg>
-        <pc:picChg chg="add mod">
-          <ac:chgData name="suresh kumar dontha" userId="433f226624fc78cf" providerId="LiveId" clId="{3BA91A6C-0C77-4AA6-A5E5-747CDFD24495}" dt="2020-03-10T11:10:42.945" v="1140" actId="1076"/>
-          <ac:picMkLst>
-            <pc:docMk/>
-            <pc:sldMk cId="2144338207" sldId="274"/>
-            <ac:picMk id="3" creationId="{8B52817C-711A-43B6-87E9-1858AEE81C0D}"/>
-          </ac:picMkLst>
-        </pc:picChg>
-        <pc:picChg chg="add mod">
-          <ac:chgData name="suresh kumar dontha" userId="433f226624fc78cf" providerId="LiveId" clId="{3BA91A6C-0C77-4AA6-A5E5-747CDFD24495}" dt="2020-03-10T11:11:16.730" v="1144" actId="1076"/>
-          <ac:picMkLst>
-            <pc:docMk/>
-            <pc:sldMk cId="2144338207" sldId="274"/>
-            <ac:picMk id="4" creationId="{A831DC9E-7EFD-4B0A-82D5-8618B4D859CC}"/>
-          </ac:picMkLst>
-        </pc:picChg>
-        <pc:picChg chg="add mod">
-          <ac:chgData name="suresh kumar dontha" userId="433f226624fc78cf" providerId="LiveId" clId="{3BA91A6C-0C77-4AA6-A5E5-747CDFD24495}" dt="2020-03-10T11:10:35.866" v="1139" actId="1076"/>
-          <ac:picMkLst>
-            <pc:docMk/>
-            <pc:sldMk cId="2144338207" sldId="274"/>
-            <ac:picMk id="5" creationId="{87C32846-2835-4314-B9CD-C6C9EBC84AE9}"/>
-          </ac:picMkLst>
-        </pc:picChg>
-        <pc:picChg chg="del">
-          <ac:chgData name="suresh kumar dontha" userId="433f226624fc78cf" providerId="LiveId" clId="{3BA91A6C-0C77-4AA6-A5E5-747CDFD24495}" dt="2020-03-10T11:03:53.299" v="1109" actId="478"/>
-          <ac:picMkLst>
-            <pc:docMk/>
-            <pc:sldMk cId="2144338207" sldId="274"/>
-            <ac:picMk id="6" creationId="{F94BCA70-77DF-4FD2-B086-C9561D944CF1}"/>
-          </ac:picMkLst>
-        </pc:picChg>
-        <pc:picChg chg="add mod">
-          <ac:chgData name="suresh kumar dontha" userId="433f226624fc78cf" providerId="LiveId" clId="{3BA91A6C-0C77-4AA6-A5E5-747CDFD24495}" dt="2020-03-10T11:10:51.525" v="1142" actId="1440"/>
-          <ac:picMkLst>
-            <pc:docMk/>
-            <pc:sldMk cId="2144338207" sldId="274"/>
-            <ac:picMk id="8" creationId="{9A30E2EE-1467-4A0A-8B14-81FEC703D376}"/>
-          </ac:picMkLst>
-        </pc:picChg>
-      </pc:sldChg>
-      <pc:sldChg chg="addSp delSp modSp add mod">
-        <pc:chgData name="suresh kumar dontha" userId="433f226624fc78cf" providerId="LiveId" clId="{3BA91A6C-0C77-4AA6-A5E5-747CDFD24495}" dt="2020-03-10T11:26:21.985" v="1274" actId="1076"/>
+        <pc:chgData name="suresh kumar dontha" userId="433f226624fc78cf" providerId="LiveId" clId="{3EC411D5-6E7A-40A0-A43A-D90253020499}" dt="2020-03-12T10:48:08.455" v="131" actId="14100"/>
         <pc:sldMkLst>
           <pc:docMk/>
           <pc:sldMk cId="366954837" sldId="275"/>
         </pc:sldMkLst>
-        <pc:spChg chg="mod">
-          <ac:chgData name="suresh kumar dontha" userId="433f226624fc78cf" providerId="LiveId" clId="{3BA91A6C-0C77-4AA6-A5E5-747CDFD24495}" dt="2020-03-10T11:25:26.170" v="1264" actId="1076"/>
+        <pc:spChg chg="add mod">
+          <ac:chgData name="suresh kumar dontha" userId="433f226624fc78cf" providerId="LiveId" clId="{3EC411D5-6E7A-40A0-A43A-D90253020499}" dt="2020-03-12T10:48:08.455" v="131" actId="14100"/>
           <ac:spMkLst>
             <pc:docMk/>
             <pc:sldMk cId="366954837" sldId="275"/>
-            <ac:spMk id="2" creationId="{00000000-0000-0000-0000-000000000000}"/>
+            <ac:spMk id="3" creationId="{9764B8A4-7B58-4AD8-8CFE-9546E500BB42}"/>
           </ac:spMkLst>
         </pc:spChg>
-        <pc:spChg chg="add del mod">
-          <ac:chgData name="suresh kumar dontha" userId="433f226624fc78cf" providerId="LiveId" clId="{3BA91A6C-0C77-4AA6-A5E5-747CDFD24495}" dt="2020-03-10T11:16:48.108" v="1149" actId="478"/>
-          <ac:spMkLst>
-            <pc:docMk/>
-            <pc:sldMk cId="366954837" sldId="275"/>
-            <ac:spMk id="4" creationId="{9716DF24-5EA5-4656-9FFF-0CD25AFFB8A8}"/>
-          </ac:spMkLst>
-        </pc:spChg>
-        <pc:picChg chg="del">
-          <ac:chgData name="suresh kumar dontha" userId="433f226624fc78cf" providerId="LiveId" clId="{3BA91A6C-0C77-4AA6-A5E5-747CDFD24495}" dt="2020-03-10T11:15:11.173" v="1146" actId="478"/>
-          <ac:picMkLst>
-            <pc:docMk/>
-            <pc:sldMk cId="366954837" sldId="275"/>
-            <ac:picMk id="5" creationId="{00000000-0000-0000-0000-000000000000}"/>
-          </ac:picMkLst>
-        </pc:picChg>
-        <pc:picChg chg="add mod">
-          <ac:chgData name="suresh kumar dontha" userId="433f226624fc78cf" providerId="LiveId" clId="{3BA91A6C-0C77-4AA6-A5E5-747CDFD24495}" dt="2020-03-10T11:26:21.985" v="1274" actId="1076"/>
-          <ac:picMkLst>
-            <pc:docMk/>
-            <pc:sldMk cId="366954837" sldId="275"/>
-            <ac:picMk id="6" creationId="{AF320C15-9004-4C07-9885-2AC321F54407}"/>
-          </ac:picMkLst>
-        </pc:picChg>
-        <pc:picChg chg="add mod">
-          <ac:chgData name="suresh kumar dontha" userId="433f226624fc78cf" providerId="LiveId" clId="{3BA91A6C-0C77-4AA6-A5E5-747CDFD24495}" dt="2020-03-10T11:26:21.985" v="1274" actId="1076"/>
-          <ac:picMkLst>
-            <pc:docMk/>
-            <pc:sldMk cId="366954837" sldId="275"/>
-            <ac:picMk id="7" creationId="{CAFCB4CE-9682-4380-A3EE-3F233AC6EAD5}"/>
-          </ac:picMkLst>
-        </pc:picChg>
-      </pc:sldChg>
-      <pc:sldChg chg="modSp add mod">
-        <pc:chgData name="suresh kumar dontha" userId="433f226624fc78cf" providerId="LiveId" clId="{3BA91A6C-0C77-4AA6-A5E5-747CDFD24495}" dt="2020-03-10T11:26:31.536" v="1275" actId="1440"/>
-        <pc:sldMkLst>
-          <pc:docMk/>
-          <pc:sldMk cId="4284342307" sldId="276"/>
-        </pc:sldMkLst>
-        <pc:picChg chg="mod">
-          <ac:chgData name="suresh kumar dontha" userId="433f226624fc78cf" providerId="LiveId" clId="{3BA91A6C-0C77-4AA6-A5E5-747CDFD24495}" dt="2020-03-10T11:26:31.536" v="1275" actId="1440"/>
-          <ac:picMkLst>
-            <pc:docMk/>
-            <pc:sldMk cId="4284342307" sldId="276"/>
-            <ac:picMk id="5" creationId="{00000000-0000-0000-0000-000000000000}"/>
-          </ac:picMkLst>
-        </pc:picChg>
       </pc:sldChg>
     </pc:docChg>
   </pc:docChgLst>
@@ -812,7 +299,7 @@
           <a:p>
             <a:fld id="{59041DB8-B66F-4DC8-A96E-33677E0F90FF}" type="datetimeFigureOut">
               <a:rPr lang="en-US" smtClean="0"/>
-              <a:t>3/10/2020</a:t>
+              <a:t>2020-03-12</a:t>
             </a:fld>
             <a:endParaRPr lang="en-US"/>
           </a:p>
@@ -977,7 +464,7 @@
           <a:p>
             <a:fld id="{DEB49C4A-65AC-492D-9701-81B46C3AD0E4}" type="datetimeFigureOut">
               <a:rPr lang="en-US" smtClean="0"/>
-              <a:t>3/10/2020</a:t>
+              <a:t>2020-03-12</a:t>
             </a:fld>
             <a:endParaRPr lang="en-US"/>
           </a:p>
@@ -3469,7 +2956,7 @@
           <a:p>
             <a:fld id="{384A29A4-78C8-47AB-BA06-22CB45938951}" type="datetime1">
               <a:rPr lang="en-US" smtClean="0"/>
-              <a:t>3/10/2020</a:t>
+              <a:t>2020-03-12</a:t>
             </a:fld>
             <a:endParaRPr lang="en-US"/>
           </a:p>
@@ -3664,7 +3151,7 @@
           <a:p>
             <a:fld id="{E1ED4ACF-2D82-46F2-A8E9-23963AA34E86}" type="datetime1">
               <a:rPr lang="en-US" smtClean="0"/>
-              <a:t>3/10/2020</a:t>
+              <a:t>2020-03-12</a:t>
             </a:fld>
             <a:endParaRPr lang="en-US"/>
           </a:p>
@@ -3848,7 +3335,7 @@
           <a:p>
             <a:fld id="{AE374B5B-21A0-4192-BF4C-38187F1A68D8}" type="datetime1">
               <a:rPr lang="en-US" smtClean="0"/>
-              <a:t>3/10/2020</a:t>
+              <a:t>2020-03-12</a:t>
             </a:fld>
             <a:endParaRPr lang="en-US"/>
           </a:p>
@@ -6189,7 +5676,7 @@
           <a:p>
             <a:fld id="{33B5CF7C-B333-48E1-A4A6-83A3C8B73AC0}" type="datetime1">
               <a:rPr lang="en-US" smtClean="0"/>
-              <a:t>3/10/2020</a:t>
+              <a:t>2020-03-12</a:t>
             </a:fld>
             <a:endParaRPr lang="en-US"/>
           </a:p>
@@ -6642,7 +6129,7 @@
           <a:p>
             <a:fld id="{AE320762-5CBF-4210-AB54-376B091119F8}" type="datetime1">
               <a:rPr lang="en-US" smtClean="0"/>
-              <a:t>3/10/2020</a:t>
+              <a:t>2020-03-12</a:t>
             </a:fld>
             <a:endParaRPr lang="en-US"/>
           </a:p>
@@ -6774,7 +6261,7 @@
           <a:p>
             <a:fld id="{7F0DB371-BF5F-4058-A212-1A908E4D2674}" type="datetime1">
               <a:rPr lang="en-US" smtClean="0"/>
-              <a:t>3/10/2020</a:t>
+              <a:t>2020-03-12</a:t>
             </a:fld>
             <a:endParaRPr lang="en-US"/>
           </a:p>
@@ -8707,7 +8194,7 @@
           <a:p>
             <a:fld id="{60A4083B-90AA-48CF-BAD5-00AA24D7F288}" type="datetime1">
               <a:rPr lang="en-US" smtClean="0"/>
-              <a:t>3/10/2020</a:t>
+              <a:t>2020-03-12</a:t>
             </a:fld>
             <a:endParaRPr lang="en-US"/>
           </a:p>
@@ -10966,7 +10453,7 @@
             <a:fld id="{F5BAF629-ECA2-4CF3-B790-9D9BDED98269}" type="datetime1">
               <a:rPr lang="en-US" smtClean="0"/>
               <a:pPr/>
-              <a:t>3/10/2020</a:t>
+              <a:t>2020-03-12</a:t>
             </a:fld>
             <a:endParaRPr lang="en-US"/>
           </a:p>
@@ -15261,7 +14748,7 @@
             <a:fld id="{B51B2453-8663-4C69-AF73-9FD7B1DEC5D0}" type="datetime1">
               <a:rPr lang="en-US" smtClean="0"/>
               <a:pPr/>
-              <a:t>3/10/2020</a:t>
+              <a:t>2020-03-12</a:t>
             </a:fld>
             <a:endParaRPr lang="en-US" dirty="0"/>
           </a:p>
@@ -15746,12 +15233,24 @@
             <a:br>
               <a:rPr lang="en-US" sz="2000" b="0" dirty="0"/>
             </a:br>
+            <a:r>
+              <a:rPr lang="en-US" sz="2000" b="0" dirty="0"/>
+              <a:t/>
+            </a:r>
             <a:br>
               <a:rPr lang="en-US" sz="2000" b="0" dirty="0"/>
             </a:br>
+            <a:r>
+              <a:rPr lang="en-US" sz="2000" b="0" dirty="0"/>
+              <a:t/>
+            </a:r>
             <a:br>
               <a:rPr lang="en-US" sz="2000" b="0" dirty="0"/>
             </a:br>
+            <a:r>
+              <a:rPr lang="en-US" sz="3600" b="0" dirty="0"/>
+              <a:t/>
+            </a:r>
             <a:br>
               <a:rPr lang="en-US" sz="3600" b="0" dirty="0"/>
             </a:br>
@@ -15768,7 +15267,7 @@
           <p:cNvPr id="4" name="Title 1">
             <a:extLst>
               <a:ext uri="{FF2B5EF4-FFF2-40B4-BE49-F238E27FC236}">
-                <a16:creationId xmlns:a16="http://schemas.microsoft.com/office/drawing/2014/main" id="{1E7FA8C4-C7C9-4CF0-A7F2-11B93C76A3C5}"/>
+                <a16:creationId xmlns:a16="http://schemas.microsoft.com/office/drawing/2014/main" xmlns="" id="{1E7FA8C4-C7C9-4CF0-A7F2-11B93C76A3C5}"/>
               </a:ext>
             </a:extLst>
           </p:cNvPr>
@@ -15901,7 +15400,7 @@
           <p:cNvPr id="3" name="Picture 2">
             <a:extLst>
               <a:ext uri="{FF2B5EF4-FFF2-40B4-BE49-F238E27FC236}">
-                <a16:creationId xmlns:a16="http://schemas.microsoft.com/office/drawing/2014/main" id="{8B52817C-711A-43B6-87E9-1858AEE81C0D}"/>
+                <a16:creationId xmlns:a16="http://schemas.microsoft.com/office/drawing/2014/main" xmlns="" id="{8B52817C-711A-43B6-87E9-1858AEE81C0D}"/>
               </a:ext>
             </a:extLst>
           </p:cNvPr>
@@ -15945,7 +15444,7 @@
           <p:cNvPr id="4" name="Picture 3">
             <a:extLst>
               <a:ext uri="{FF2B5EF4-FFF2-40B4-BE49-F238E27FC236}">
-                <a16:creationId xmlns:a16="http://schemas.microsoft.com/office/drawing/2014/main" id="{A831DC9E-7EFD-4B0A-82D5-8618B4D859CC}"/>
+                <a16:creationId xmlns:a16="http://schemas.microsoft.com/office/drawing/2014/main" xmlns="" id="{A831DC9E-7EFD-4B0A-82D5-8618B4D859CC}"/>
               </a:ext>
             </a:extLst>
           </p:cNvPr>
@@ -15989,7 +15488,7 @@
           <p:cNvPr id="7" name="Title 1">
             <a:extLst>
               <a:ext uri="{FF2B5EF4-FFF2-40B4-BE49-F238E27FC236}">
-                <a16:creationId xmlns:a16="http://schemas.microsoft.com/office/drawing/2014/main" id="{C72D89D0-FA8E-4EE7-9C1B-71121255C726}"/>
+                <a16:creationId xmlns:a16="http://schemas.microsoft.com/office/drawing/2014/main" xmlns="" id="{C72D89D0-FA8E-4EE7-9C1B-71121255C726}"/>
               </a:ext>
             </a:extLst>
           </p:cNvPr>
@@ -16049,7 +15548,7 @@
           <p:cNvPr id="5" name="Picture 4">
             <a:extLst>
               <a:ext uri="{FF2B5EF4-FFF2-40B4-BE49-F238E27FC236}">
-                <a16:creationId xmlns:a16="http://schemas.microsoft.com/office/drawing/2014/main" id="{87C32846-2835-4314-B9CD-C6C9EBC84AE9}"/>
+                <a16:creationId xmlns:a16="http://schemas.microsoft.com/office/drawing/2014/main" xmlns="" id="{87C32846-2835-4314-B9CD-C6C9EBC84AE9}"/>
               </a:ext>
             </a:extLst>
           </p:cNvPr>
@@ -16093,7 +15592,7 @@
           <p:cNvPr id="8" name="Picture 7">
             <a:extLst>
               <a:ext uri="{FF2B5EF4-FFF2-40B4-BE49-F238E27FC236}">
-                <a16:creationId xmlns:a16="http://schemas.microsoft.com/office/drawing/2014/main" id="{9A30E2EE-1467-4A0A-8B14-81FEC703D376}"/>
+                <a16:creationId xmlns:a16="http://schemas.microsoft.com/office/drawing/2014/main" xmlns="" id="{9A30E2EE-1467-4A0A-8B14-81FEC703D376}"/>
               </a:ext>
             </a:extLst>
           </p:cNvPr>
@@ -16132,6 +15631,96 @@
           </a:effectLst>
         </p:spPr>
       </p:pic>
+      <p:sp>
+        <p:nvSpPr>
+          <p:cNvPr id="6" name="Rectangle 5">
+            <a:extLst>
+              <a:ext uri="{FF2B5EF4-FFF2-40B4-BE49-F238E27FC236}">
+                <a16:creationId xmlns:a16="http://schemas.microsoft.com/office/drawing/2014/main" xmlns="" id="{7C0C2B84-893A-40DF-AF6D-EB2C6321C89B}"/>
+              </a:ext>
+            </a:extLst>
+          </p:cNvPr>
+          <p:cNvSpPr/>
+          <p:nvPr/>
+        </p:nvSpPr>
+        <p:spPr>
+          <a:xfrm>
+            <a:off x="5486400" y="1158240"/>
+            <a:ext cx="5486400" cy="954107"/>
+          </a:xfrm>
+          <a:prstGeom prst="rect">
+            <a:avLst/>
+          </a:prstGeom>
+        </p:spPr>
+        <p:txBody>
+          <a:bodyPr wrap="square">
+            <a:spAutoFit/>
+          </a:bodyPr>
+          <a:lstStyle/>
+          <a:p>
+            <a:pPr algn="just"/>
+            <a:r>
+              <a:rPr lang="en-US" sz="1400" dirty="0">
+                <a:sym typeface="Wingdings" panose="05000000000000000000" pitchFamily="2" charset="2"/>
+              </a:rPr>
+              <a:t> </a:t>
+            </a:r>
+            <a:r>
+              <a:rPr lang="en-US" sz="1400" dirty="0"/>
+              <a:t>Logistic regression was applied to accident-related data collected from Accident data in order to examine the contribution of several variables to accident severity. It predicted 87% with accuracy for the test data.</a:t>
+            </a:r>
+          </a:p>
+        </p:txBody>
+      </p:sp>
+      <p:sp>
+        <p:nvSpPr>
+          <p:cNvPr id="9" name="Rectangle 8">
+            <a:extLst>
+              <a:ext uri="{FF2B5EF4-FFF2-40B4-BE49-F238E27FC236}">
+                <a16:creationId xmlns:a16="http://schemas.microsoft.com/office/drawing/2014/main" xmlns="" id="{5036BB62-9F37-4FED-9A6D-06C8F74DE3CB}"/>
+              </a:ext>
+            </a:extLst>
+          </p:cNvPr>
+          <p:cNvSpPr/>
+          <p:nvPr/>
+        </p:nvSpPr>
+        <p:spPr>
+          <a:xfrm>
+            <a:off x="609600" y="3698347"/>
+            <a:ext cx="5257800" cy="1815882"/>
+          </a:xfrm>
+          <a:prstGeom prst="rect">
+            <a:avLst/>
+          </a:prstGeom>
+        </p:spPr>
+        <p:txBody>
+          <a:bodyPr wrap="square">
+            <a:spAutoFit/>
+          </a:bodyPr>
+          <a:lstStyle/>
+          <a:p>
+            <a:pPr algn="just"/>
+            <a:r>
+              <a:rPr lang="en-US" sz="1400" dirty="0">
+                <a:sym typeface="Wingdings" panose="05000000000000000000" pitchFamily="2" charset="2"/>
+              </a:rPr>
+              <a:t> </a:t>
+            </a:r>
+            <a:r>
+              <a:rPr lang="en-US" sz="1400" dirty="0">
+                <a:solidFill>
+                  <a:srgbClr val="212529"/>
+                </a:solidFill>
+              </a:rPr>
+              <a:t>Neighbors-based classification is a type of instance-based learning or non-generalizing learning: it does not attempt to construct a general internal model, but simply stores instances of the training data. Classification is computed from a simple majority vote of the nearest neighbors of each point: a query point is assigned the data class which has the most representatives within the nearest neighbors of the point. </a:t>
+            </a:r>
+            <a:r>
+              <a:rPr lang="en-US" sz="1400" dirty="0"/>
+              <a:t>It predicted 78% with accuracy for the test data.</a:t>
+            </a:r>
+          </a:p>
+        </p:txBody>
+      </p:sp>
     </p:spTree>
     <p:extLst>
       <p:ext uri="{BB962C8B-B14F-4D97-AF65-F5344CB8AC3E}">
@@ -16206,7 +15795,7 @@
           <p:cNvPr id="3" name="Rectangle 2">
             <a:extLst>
               <a:ext uri="{FF2B5EF4-FFF2-40B4-BE49-F238E27FC236}">
-                <a16:creationId xmlns:a16="http://schemas.microsoft.com/office/drawing/2014/main" id="{EB03F744-C5E3-4B20-ADA4-4DB60D9F36CC}"/>
+                <a16:creationId xmlns:a16="http://schemas.microsoft.com/office/drawing/2014/main" xmlns="" id="{EB03F744-C5E3-4B20-ADA4-4DB60D9F36CC}"/>
               </a:ext>
             </a:extLst>
           </p:cNvPr>
@@ -16216,7 +15805,7 @@
         <p:spPr>
           <a:xfrm>
             <a:off x="1066800" y="1219200"/>
-            <a:ext cx="8686800" cy="2308324"/>
+            <a:ext cx="8686800" cy="3662541"/>
           </a:xfrm>
           <a:prstGeom prst="rect">
             <a:avLst/>
@@ -16233,7 +15822,6 @@
                 <a:solidFill>
                   <a:srgbClr val="24292E"/>
                 </a:solidFill>
-                <a:latin typeface="-apple-system"/>
               </a:rPr>
               <a:t>• US Accidents (3.0 million records) </a:t>
             </a:r>
@@ -16244,7 +15832,6 @@
                 <a:solidFill>
                   <a:srgbClr val="0366D6"/>
                 </a:solidFill>
-                <a:latin typeface="-apple-system"/>
                 <a:hlinkClick r:id="rId2"/>
               </a:rPr>
               <a:t>https://www.kaggle.com/sobhanmoosavi/us-accidents#US_Accidents_Dec19.csv</a:t>
@@ -16254,7 +15841,6 @@
                 <a:solidFill>
                   <a:srgbClr val="24292E"/>
                 </a:solidFill>
-                <a:latin typeface="-apple-system"/>
               </a:rPr>
               <a:t> </a:t>
             </a:r>
@@ -16264,7 +15850,6 @@
               <a:solidFill>
                 <a:srgbClr val="24292E"/>
               </a:solidFill>
-              <a:latin typeface="-apple-system"/>
             </a:endParaRPr>
           </a:p>
           <a:p>
@@ -16273,7 +15858,6 @@
                 <a:solidFill>
                   <a:srgbClr val="24292E"/>
                 </a:solidFill>
-                <a:latin typeface="-apple-system"/>
               </a:rPr>
               <a:t>• A Countrywide Traffic Accident Dataset∗ </a:t>
             </a:r>
@@ -16284,7 +15868,6 @@
                 <a:solidFill>
                   <a:srgbClr val="0366D6"/>
                 </a:solidFill>
-                <a:latin typeface="-apple-system"/>
                 <a:hlinkClick r:id="rId3"/>
               </a:rPr>
               <a:t>https://arxiv.org/pdf/1906.05409.pdf</a:t>
@@ -16294,7 +15877,6 @@
                 <a:solidFill>
                   <a:srgbClr val="24292E"/>
                 </a:solidFill>
-                <a:latin typeface="-apple-system"/>
               </a:rPr>
               <a:t> </a:t>
             </a:r>
@@ -16304,7 +15886,6 @@
               <a:solidFill>
                 <a:srgbClr val="24292E"/>
               </a:solidFill>
-              <a:latin typeface="-apple-system"/>
             </a:endParaRPr>
           </a:p>
           <a:p>
@@ -16313,7 +15894,6 @@
                 <a:solidFill>
                   <a:srgbClr val="24292E"/>
                 </a:solidFill>
-                <a:latin typeface="-apple-system"/>
               </a:rPr>
               <a:t>• Accident Risk Prediction based on Heterogeneous Sparse Data: New Dataset and Insights </a:t>
             </a:r>
@@ -16324,11 +15904,43 @@
                 <a:solidFill>
                   <a:srgbClr val="0366D6"/>
                 </a:solidFill>
-                <a:latin typeface="-apple-system"/>
                 <a:hlinkClick r:id="rId4"/>
               </a:rPr>
               <a:t>https://arxiv.org/pdf/1909.09638.pdf</a:t>
             </a:r>
+            <a:endParaRPr lang="en-US" dirty="0">
+              <a:solidFill>
+                <a:srgbClr val="0366D6"/>
+              </a:solidFill>
+            </a:endParaRPr>
+          </a:p>
+          <a:p>
+            <a:endParaRPr lang="en-US" dirty="0">
+              <a:solidFill>
+                <a:srgbClr val="0366D6"/>
+              </a:solidFill>
+            </a:endParaRPr>
+          </a:p>
+          <a:p>
+            <a:pPr marL="114300" indent="-114300">
+              <a:buFont typeface="Arial" panose="020B0604020202020204" pitchFamily="34" charset="0"/>
+              <a:buChar char="•"/>
+            </a:pPr>
+            <a:r>
+              <a:rPr lang="en-US" dirty="0"/>
+              <a:t>How You Can Avoid Car Accident in 2020</a:t>
+            </a:r>
+          </a:p>
+          <a:p>
+            <a:r>
+              <a:rPr lang="en-US" sz="1600" dirty="0">
+                <a:hlinkClick r:id="rId5"/>
+              </a:rPr>
+              <a:t>https://medium.com/@RonghuiZhou/how-you-can-avoid-car-accident-in-2020-c9626c9b6f68</a:t>
+            </a:r>
+            <a:endParaRPr lang="en-US" sz="1600" dirty="0"/>
+          </a:p>
+          <a:p>
             <a:endParaRPr lang="en-US" dirty="0"/>
           </a:p>
         </p:txBody>
@@ -16549,7 +16161,7 @@
           <p:cNvPr id="6" name="Content Placeholder 2">
             <a:extLst>
               <a:ext uri="{FF2B5EF4-FFF2-40B4-BE49-F238E27FC236}">
-                <a16:creationId xmlns:a16="http://schemas.microsoft.com/office/drawing/2014/main" id="{38FBD358-E637-4955-AE3F-C831E8964731}"/>
+                <a16:creationId xmlns:a16="http://schemas.microsoft.com/office/drawing/2014/main" xmlns="" id="{38FBD358-E637-4955-AE3F-C831E8964731}"/>
               </a:ext>
             </a:extLst>
           </p:cNvPr>
@@ -16560,8 +16172,8 @@
         </p:nvSpPr>
         <p:spPr>
           <a:xfrm>
-            <a:off x="1066800" y="1447800"/>
-            <a:ext cx="10363200" cy="2514600"/>
+            <a:off x="491151" y="1371600"/>
+            <a:ext cx="5867400" cy="2514600"/>
           </a:xfrm>
           <a:prstGeom prst="rect">
             <a:avLst/>
@@ -16569,7 +16181,7 @@
         </p:spPr>
         <p:txBody>
           <a:bodyPr vert="horz" lIns="91440" tIns="45720" rIns="91440" bIns="45720" rtlCol="0">
-            <a:normAutofit fontScale="85000" lnSpcReduction="10000"/>
+            <a:normAutofit fontScale="62500" lnSpcReduction="20000"/>
           </a:bodyPr>
           <a:lstStyle>
             <a:lvl1pPr marL="228600" indent="-228600" algn="l" defTabSz="914400" rtl="0" eaLnBrk="1" latinLnBrk="0" hangingPunct="1">
@@ -16799,7 +16411,11 @@
             </a:pPr>
             <a:r>
               <a:rPr lang="en-US" sz="2600" dirty="0"/>
-              <a:t>Kaggle – US Accidents Data (3.0 Million Observations)</a:t>
+              <a:t>Kaggle – US Accidents Data (3.0 Million Observations) </a:t>
+            </a:r>
+            <a:r>
+              <a:rPr lang="en-US" sz="1900" dirty="0"/>
+              <a:t>– with 49 variables – 1GB Size.</a:t>
             </a:r>
           </a:p>
           <a:p>
@@ -16809,7 +16425,7 @@
             </a:pPr>
             <a:r>
               <a:rPr lang="en-US" sz="2600" dirty="0"/>
-              <a:t>A Countrywide Traffic Accident Dataset (2016 – 2019)</a:t>
+              <a:t>It is US Countrywide Traffic Accident Dataset (2016 – 2019)</a:t>
             </a:r>
           </a:p>
           <a:p>
@@ -16829,7 +16445,7 @@
             </a:pPr>
             <a:r>
               <a:rPr lang="en-US" sz="2600" dirty="0"/>
-              <a:t>51 Variables</a:t>
+              <a:t>33 Variables (excluded unnecessary variables from original source)</a:t>
             </a:r>
           </a:p>
           <a:p>
@@ -16866,7 +16482,7 @@
           <p:cNvPr id="7" name="Picture 6">
             <a:extLst>
               <a:ext uri="{FF2B5EF4-FFF2-40B4-BE49-F238E27FC236}">
-                <a16:creationId xmlns:a16="http://schemas.microsoft.com/office/drawing/2014/main" id="{67AB8360-3977-43EF-A3F5-0F5BF72A5B08}"/>
+                <a16:creationId xmlns:a16="http://schemas.microsoft.com/office/drawing/2014/main" xmlns="" id="{67AB8360-3977-43EF-A3F5-0F5BF72A5B08}"/>
               </a:ext>
             </a:extLst>
           </p:cNvPr>
@@ -16883,7 +16499,7 @@
         </p:blipFill>
         <p:spPr>
           <a:xfrm>
-            <a:off x="1291345" y="4724400"/>
+            <a:off x="711642" y="3940484"/>
             <a:ext cx="5646909" cy="579170"/>
           </a:xfrm>
           <a:prstGeom prst="rect">
@@ -16905,6 +16521,75 @@
           </a:effectLst>
         </p:spPr>
       </p:pic>
+      <p:pic>
+        <p:nvPicPr>
+          <p:cNvPr id="3" name="Picture 2"/>
+          <p:cNvPicPr>
+            <a:picLocks noChangeAspect="1"/>
+          </p:cNvPicPr>
+          <p:nvPr/>
+        </p:nvPicPr>
+        <p:blipFill>
+          <a:blip r:embed="rId4"/>
+          <a:stretch>
+            <a:fillRect/>
+          </a:stretch>
+        </p:blipFill>
+        <p:spPr>
+          <a:xfrm>
+            <a:off x="6477000" y="1447800"/>
+            <a:ext cx="5029200" cy="3071854"/>
+          </a:xfrm>
+          <a:prstGeom prst="rect">
+            <a:avLst/>
+          </a:prstGeom>
+          <a:ln w="38100" cap="sq">
+            <a:solidFill>
+              <a:srgbClr val="000000"/>
+            </a:solidFill>
+            <a:prstDash val="solid"/>
+            <a:miter lim="800000"/>
+          </a:ln>
+          <a:effectLst>
+            <a:outerShdw blurRad="50800" dist="38100" dir="2700000" algn="tl" rotWithShape="0">
+              <a:srgbClr val="000000">
+                <a:alpha val="43000"/>
+              </a:srgbClr>
+            </a:outerShdw>
+          </a:effectLst>
+        </p:spPr>
+      </p:pic>
+      <p:sp>
+        <p:nvSpPr>
+          <p:cNvPr id="4" name="Rectangle 3"/>
+          <p:cNvSpPr/>
+          <p:nvPr/>
+        </p:nvSpPr>
+        <p:spPr>
+          <a:xfrm>
+            <a:off x="6477000" y="4305535"/>
+            <a:ext cx="2177995" cy="215444"/>
+          </a:xfrm>
+          <a:prstGeom prst="rect">
+            <a:avLst/>
+          </a:prstGeom>
+        </p:spPr>
+        <p:txBody>
+          <a:bodyPr wrap="square">
+            <a:spAutoFit/>
+          </a:bodyPr>
+          <a:lstStyle/>
+          <a:p>
+            <a:r>
+              <a:rPr lang="en-US" sz="800" dirty="0">
+                <a:hlinkClick r:id="rId5"/>
+              </a:rPr>
+              <a:t>https://smoosavi.org/datasets/us_accidents</a:t>
+            </a:r>
+            <a:endParaRPr lang="en-US" sz="800" dirty="0"/>
+          </a:p>
+        </p:txBody>
+      </p:sp>
     </p:spTree>
     <p:extLst>
       <p:ext uri="{BB962C8B-B14F-4D97-AF65-F5344CB8AC3E}">
@@ -17021,7 +16706,7 @@
           <p:cNvPr id="6" name="Content Placeholder 2">
             <a:extLst>
               <a:ext uri="{FF2B5EF4-FFF2-40B4-BE49-F238E27FC236}">
-                <a16:creationId xmlns:a16="http://schemas.microsoft.com/office/drawing/2014/main" id="{A2E25701-69F8-4CF8-84A4-731E9082116E}"/>
+                <a16:creationId xmlns:a16="http://schemas.microsoft.com/office/drawing/2014/main" xmlns="" id="{A2E25701-69F8-4CF8-84A4-731E9082116E}"/>
               </a:ext>
             </a:extLst>
           </p:cNvPr>
@@ -17272,7 +16957,7 @@
           <p:cNvPr id="3" name="Picture 2">
             <a:extLst>
               <a:ext uri="{FF2B5EF4-FFF2-40B4-BE49-F238E27FC236}">
-                <a16:creationId xmlns:a16="http://schemas.microsoft.com/office/drawing/2014/main" id="{495CE44D-15A4-4240-ACA5-6CCDC3793F10}"/>
+                <a16:creationId xmlns:a16="http://schemas.microsoft.com/office/drawing/2014/main" xmlns="" id="{495CE44D-15A4-4240-ACA5-6CCDC3793F10}"/>
               </a:ext>
             </a:extLst>
           </p:cNvPr>
@@ -17316,7 +17001,7 @@
           <p:cNvPr id="7" name="Picture 6">
             <a:extLst>
               <a:ext uri="{FF2B5EF4-FFF2-40B4-BE49-F238E27FC236}">
-                <a16:creationId xmlns:a16="http://schemas.microsoft.com/office/drawing/2014/main" id="{267CBBB7-30EB-4245-B220-CD5E76F1CE9C}"/>
+                <a16:creationId xmlns:a16="http://schemas.microsoft.com/office/drawing/2014/main" xmlns="" id="{267CBBB7-30EB-4245-B220-CD5E76F1CE9C}"/>
               </a:ext>
             </a:extLst>
           </p:cNvPr>
@@ -17360,7 +17045,7 @@
           <p:cNvPr id="8" name="Picture 7">
             <a:extLst>
               <a:ext uri="{FF2B5EF4-FFF2-40B4-BE49-F238E27FC236}">
-                <a16:creationId xmlns:a16="http://schemas.microsoft.com/office/drawing/2014/main" id="{FC28F78F-D66A-4C56-90DE-DDE8DAD989A7}"/>
+                <a16:creationId xmlns:a16="http://schemas.microsoft.com/office/drawing/2014/main" xmlns="" id="{FC28F78F-D66A-4C56-90DE-DDE8DAD989A7}"/>
               </a:ext>
             </a:extLst>
           </p:cNvPr>
@@ -17531,7 +17216,7 @@
           <p:cNvPr id="8" name="Picture 7">
             <a:extLst>
               <a:ext uri="{FF2B5EF4-FFF2-40B4-BE49-F238E27FC236}">
-                <a16:creationId xmlns:a16="http://schemas.microsoft.com/office/drawing/2014/main" id="{3BBC3469-93AC-46B8-920A-A05D261E3BDC}"/>
+                <a16:creationId xmlns:a16="http://schemas.microsoft.com/office/drawing/2014/main" xmlns="" id="{3BBC3469-93AC-46B8-920A-A05D261E3BDC}"/>
               </a:ext>
             </a:extLst>
           </p:cNvPr>
@@ -17575,7 +17260,7 @@
           <p:cNvPr id="9" name="Picture 8">
             <a:extLst>
               <a:ext uri="{FF2B5EF4-FFF2-40B4-BE49-F238E27FC236}">
-                <a16:creationId xmlns:a16="http://schemas.microsoft.com/office/drawing/2014/main" id="{20B20FF1-6790-4C2A-8F5A-BDB5E4A88FB8}"/>
+                <a16:creationId xmlns:a16="http://schemas.microsoft.com/office/drawing/2014/main" xmlns="" id="{20B20FF1-6790-4C2A-8F5A-BDB5E4A88FB8}"/>
               </a:ext>
             </a:extLst>
           </p:cNvPr>
@@ -17619,7 +17304,7 @@
           <p:cNvPr id="14" name="TextBox 13">
             <a:extLst>
               <a:ext uri="{FF2B5EF4-FFF2-40B4-BE49-F238E27FC236}">
-                <a16:creationId xmlns:a16="http://schemas.microsoft.com/office/drawing/2014/main" id="{049C1BF9-D336-4EEB-8481-E92D6CED85B2}"/>
+                <a16:creationId xmlns:a16="http://schemas.microsoft.com/office/drawing/2014/main" xmlns="" id="{049C1BF9-D336-4EEB-8481-E92D6CED85B2}"/>
               </a:ext>
             </a:extLst>
           </p:cNvPr>
@@ -17764,8 +17449,8 @@
         </p:nvSpPr>
         <p:spPr>
           <a:xfrm>
-            <a:off x="1295400" y="503853"/>
-            <a:ext cx="9601200" cy="575647"/>
+            <a:off x="4953000" y="457200"/>
+            <a:ext cx="2286000" cy="575647"/>
           </a:xfrm>
         </p:spPr>
         <p:txBody>
@@ -17797,7 +17482,7 @@
         </p:blipFill>
         <p:spPr>
           <a:xfrm>
-            <a:off x="1119692" y="1440179"/>
+            <a:off x="1699260" y="1201428"/>
             <a:ext cx="3682776" cy="3475039"/>
           </a:xfrm>
           <a:prstGeom prst="rect">
@@ -17837,7 +17522,7 @@
         </p:blipFill>
         <p:spPr>
           <a:xfrm>
-            <a:off x="6656837" y="1440179"/>
+            <a:off x="6626357" y="1201428"/>
             <a:ext cx="3835903" cy="3475039"/>
           </a:xfrm>
           <a:prstGeom prst="rect">
@@ -17895,7 +17580,7 @@
           <p:cNvPr id="3" name="TextBox 2">
             <a:extLst>
               <a:ext uri="{FF2B5EF4-FFF2-40B4-BE49-F238E27FC236}">
-                <a16:creationId xmlns:a16="http://schemas.microsoft.com/office/drawing/2014/main" id="{56EE7179-2489-4EAC-AFCD-62BBD995AAC7}"/>
+                <a16:creationId xmlns:a16="http://schemas.microsoft.com/office/drawing/2014/main" xmlns="" id="{56EE7179-2489-4EAC-AFCD-62BBD995AAC7}"/>
               </a:ext>
             </a:extLst>
           </p:cNvPr>
@@ -17904,7 +17589,7 @@
         </p:nvSpPr>
         <p:spPr>
           <a:xfrm>
-            <a:off x="1229054" y="5014287"/>
+            <a:off x="1808622" y="4775537"/>
             <a:ext cx="3573414" cy="261610"/>
           </a:xfrm>
           <a:prstGeom prst="rect">
@@ -17930,7 +17615,7 @@
           <p:cNvPr id="9" name="TextBox 8">
             <a:extLst>
               <a:ext uri="{FF2B5EF4-FFF2-40B4-BE49-F238E27FC236}">
-                <a16:creationId xmlns:a16="http://schemas.microsoft.com/office/drawing/2014/main" id="{86331785-1289-4774-A2E7-C9AD6407E5CC}"/>
+                <a16:creationId xmlns:a16="http://schemas.microsoft.com/office/drawing/2014/main" xmlns="" id="{86331785-1289-4774-A2E7-C9AD6407E5CC}"/>
               </a:ext>
             </a:extLst>
           </p:cNvPr>
@@ -17939,7 +17624,7 @@
         </p:nvSpPr>
         <p:spPr>
           <a:xfrm>
-            <a:off x="7575956" y="5014287"/>
+            <a:off x="7545476" y="4775536"/>
             <a:ext cx="2146742" cy="261610"/>
           </a:xfrm>
           <a:prstGeom prst="rect">
@@ -17956,6 +17641,46 @@
             <a:r>
               <a:rPr lang="en-US" sz="1100" b="1" dirty="0"/>
               <a:t>Accident severity from 1 to 4.</a:t>
+            </a:r>
+          </a:p>
+        </p:txBody>
+      </p:sp>
+      <p:sp>
+        <p:nvSpPr>
+          <p:cNvPr id="4" name="Rectangle 3">
+            <a:extLst>
+              <a:ext uri="{FF2B5EF4-FFF2-40B4-BE49-F238E27FC236}">
+                <a16:creationId xmlns:a16="http://schemas.microsoft.com/office/drawing/2014/main" xmlns="" id="{D3AF0F08-3898-4D66-9AE2-7CF3C3FF7AAF}"/>
+              </a:ext>
+            </a:extLst>
+          </p:cNvPr>
+          <p:cNvSpPr/>
+          <p:nvPr/>
+        </p:nvSpPr>
+        <p:spPr>
+          <a:xfrm>
+            <a:off x="1452741" y="5257800"/>
+            <a:ext cx="9286517" cy="523220"/>
+          </a:xfrm>
+          <a:prstGeom prst="rect">
+            <a:avLst/>
+          </a:prstGeom>
+        </p:spPr>
+        <p:txBody>
+          <a:bodyPr wrap="none">
+            <a:spAutoFit/>
+          </a:bodyPr>
+          <a:lstStyle/>
+          <a:p>
+            <a:r>
+              <a:rPr lang="en-US" sz="1400" dirty="0"/>
+              <a:t>Pie charts displays the percentage of accidents occurred Left or Right side of the road and second pie Chart shows </a:t>
+            </a:r>
+          </a:p>
+          <a:p>
+            <a:r>
+              <a:rPr lang="en-US" sz="1400" dirty="0"/>
+              <a:t>the percentage of accident severity. </a:t>
             </a:r>
           </a:p>
         </p:txBody>
@@ -18035,7 +17760,7 @@
           <p:cNvPr id="6" name="Picture 5">
             <a:extLst>
               <a:ext uri="{FF2B5EF4-FFF2-40B4-BE49-F238E27FC236}">
-                <a16:creationId xmlns:a16="http://schemas.microsoft.com/office/drawing/2014/main" id="{AF320C15-9004-4C07-9885-2AC321F54407}"/>
+                <a16:creationId xmlns:a16="http://schemas.microsoft.com/office/drawing/2014/main" xmlns="" id="{AF320C15-9004-4C07-9885-2AC321F54407}"/>
               </a:ext>
             </a:extLst>
           </p:cNvPr>
@@ -18052,7 +17777,7 @@
         </p:blipFill>
         <p:spPr>
           <a:xfrm>
-            <a:off x="2568084" y="3657600"/>
+            <a:off x="3558684" y="3581400"/>
             <a:ext cx="6614733" cy="1150720"/>
           </a:xfrm>
           <a:prstGeom prst="rect">
@@ -18079,7 +17804,7 @@
           <p:cNvPr id="7" name="Picture 6">
             <a:extLst>
               <a:ext uri="{FF2B5EF4-FFF2-40B4-BE49-F238E27FC236}">
-                <a16:creationId xmlns:a16="http://schemas.microsoft.com/office/drawing/2014/main" id="{CAFCB4CE-9682-4380-A3EE-3F233AC6EAD5}"/>
+                <a16:creationId xmlns:a16="http://schemas.microsoft.com/office/drawing/2014/main" xmlns="" id="{CAFCB4CE-9682-4380-A3EE-3F233AC6EAD5}"/>
               </a:ext>
             </a:extLst>
           </p:cNvPr>
@@ -18096,7 +17821,7 @@
         </p:blipFill>
         <p:spPr>
           <a:xfrm>
-            <a:off x="914400" y="1219200"/>
+            <a:off x="1905000" y="1185614"/>
             <a:ext cx="8268417" cy="2293819"/>
           </a:xfrm>
           <a:prstGeom prst="rect">
@@ -18118,6 +17843,46 @@
           </a:effectLst>
         </p:spPr>
       </p:pic>
+      <p:sp>
+        <p:nvSpPr>
+          <p:cNvPr id="3" name="Rectangle 2">
+            <a:extLst>
+              <a:ext uri="{FF2B5EF4-FFF2-40B4-BE49-F238E27FC236}">
+                <a16:creationId xmlns:a16="http://schemas.microsoft.com/office/drawing/2014/main" xmlns="" id="{9764B8A4-7B58-4AD8-8CFE-9546E500BB42}"/>
+              </a:ext>
+            </a:extLst>
+          </p:cNvPr>
+          <p:cNvSpPr/>
+          <p:nvPr/>
+        </p:nvSpPr>
+        <p:spPr>
+          <a:xfrm>
+            <a:off x="1752600" y="4953000"/>
+            <a:ext cx="8420817" cy="923330"/>
+          </a:xfrm>
+          <a:prstGeom prst="rect">
+            <a:avLst/>
+          </a:prstGeom>
+        </p:spPr>
+        <p:txBody>
+          <a:bodyPr wrap="square">
+            <a:spAutoFit/>
+          </a:bodyPr>
+          <a:lstStyle/>
+          <a:p>
+            <a:r>
+              <a:rPr lang="en-US" dirty="0">
+                <a:solidFill>
+                  <a:srgbClr val="4C4C4C"/>
+                </a:solidFill>
+                <a:latin typeface="Avenir Next W01"/>
+              </a:rPr>
+              <a:t>Time series graphs can be used to visualize trends in counts or numerical values over time. Because date and time information is continuous categorical data (expressed as a range of values), points are plotted along the x-axis and connected by a continuous line. </a:t>
+            </a:r>
+            <a:endParaRPr lang="en-US" dirty="0"/>
+          </a:p>
+        </p:txBody>
+      </p:sp>
     </p:spTree>
     <p:extLst>
       <p:ext uri="{BB962C8B-B14F-4D97-AF65-F5344CB8AC3E}">
@@ -18172,15 +17937,15 @@
         </p:nvSpPr>
         <p:spPr>
           <a:xfrm>
-            <a:off x="1295400" y="503853"/>
-            <a:ext cx="9601200" cy="550247"/>
+            <a:off x="3048000" y="503853"/>
+            <a:ext cx="5867400" cy="550247"/>
           </a:xfrm>
         </p:spPr>
         <p:txBody>
           <a:bodyPr/>
           <a:lstStyle/>
           <a:p>
-            <a:pPr fontAlgn="base"/>
+            <a:pPr algn="ctr" fontAlgn="base"/>
             <a:r>
               <a:rPr lang="en-US" dirty="0"/>
               <a:t>Time Series Decomposition</a:t>
@@ -18228,6 +17993,153 @@
           </a:effectLst>
         </p:spPr>
       </p:pic>
+      <p:pic>
+        <p:nvPicPr>
+          <p:cNvPr id="3" name="Picture 2">
+            <a:extLst>
+              <a:ext uri="{FF2B5EF4-FFF2-40B4-BE49-F238E27FC236}">
+                <a16:creationId xmlns:a16="http://schemas.microsoft.com/office/drawing/2014/main" xmlns="" id="{1EA56CC2-4C52-434D-91A1-255085BA6DDD}"/>
+              </a:ext>
+            </a:extLst>
+          </p:cNvPr>
+          <p:cNvPicPr>
+            <a:picLocks noChangeAspect="1"/>
+          </p:cNvPicPr>
+          <p:nvPr/>
+        </p:nvPicPr>
+        <p:blipFill>
+          <a:blip r:embed="rId3"/>
+          <a:stretch>
+            <a:fillRect/>
+          </a:stretch>
+        </p:blipFill>
+        <p:spPr>
+          <a:xfrm>
+            <a:off x="1828800" y="4152900"/>
+            <a:ext cx="5281118" cy="876376"/>
+          </a:xfrm>
+          <a:prstGeom prst="rect">
+            <a:avLst/>
+          </a:prstGeom>
+          <a:ln w="38100" cap="sq">
+            <a:solidFill>
+              <a:srgbClr val="000000"/>
+            </a:solidFill>
+            <a:prstDash val="solid"/>
+            <a:miter lim="800000"/>
+          </a:ln>
+          <a:effectLst>
+            <a:outerShdw blurRad="50800" dist="38100" dir="2700000" algn="tl" rotWithShape="0">
+              <a:srgbClr val="000000">
+                <a:alpha val="43000"/>
+              </a:srgbClr>
+            </a:outerShdw>
+          </a:effectLst>
+        </p:spPr>
+      </p:pic>
+      <p:sp>
+        <p:nvSpPr>
+          <p:cNvPr id="4" name="Rectangle 3">
+            <a:extLst>
+              <a:ext uri="{FF2B5EF4-FFF2-40B4-BE49-F238E27FC236}">
+                <a16:creationId xmlns:a16="http://schemas.microsoft.com/office/drawing/2014/main" xmlns="" id="{4DF65118-F37A-4ECD-96C0-5CF7CD506002}"/>
+              </a:ext>
+            </a:extLst>
+          </p:cNvPr>
+          <p:cNvSpPr/>
+          <p:nvPr/>
+        </p:nvSpPr>
+        <p:spPr>
+          <a:xfrm>
+            <a:off x="685800" y="5257800"/>
+            <a:ext cx="6477000" cy="523220"/>
+          </a:xfrm>
+          <a:prstGeom prst="rect">
+            <a:avLst/>
+          </a:prstGeom>
+        </p:spPr>
+        <p:txBody>
+          <a:bodyPr wrap="square">
+            <a:spAutoFit/>
+          </a:bodyPr>
+          <a:lstStyle/>
+          <a:p>
+            <a:r>
+              <a:rPr lang="en-US" sz="1400" dirty="0"/>
+              <a:t>Visualize the data using time-series decomposition that allows us to decompose our time series into three distinct components: trend, seasonality, and noise.</a:t>
+            </a:r>
+          </a:p>
+        </p:txBody>
+      </p:sp>
+      <p:sp>
+        <p:nvSpPr>
+          <p:cNvPr id="6" name="Rectangle 5">
+            <a:extLst>
+              <a:ext uri="{FF2B5EF4-FFF2-40B4-BE49-F238E27FC236}">
+                <a16:creationId xmlns:a16="http://schemas.microsoft.com/office/drawing/2014/main" xmlns="" id="{09EA5232-D416-42C4-B0F2-F8B40DEA2CFE}"/>
+              </a:ext>
+            </a:extLst>
+          </p:cNvPr>
+          <p:cNvSpPr/>
+          <p:nvPr/>
+        </p:nvSpPr>
+        <p:spPr>
+          <a:xfrm>
+            <a:off x="7315200" y="1143000"/>
+            <a:ext cx="4648200" cy="4832092"/>
+          </a:xfrm>
+          <a:prstGeom prst="rect">
+            <a:avLst/>
+          </a:prstGeom>
+        </p:spPr>
+        <p:txBody>
+          <a:bodyPr wrap="square">
+            <a:spAutoFit/>
+          </a:bodyPr>
+          <a:lstStyle/>
+          <a:p>
+            <a:pPr algn="just"/>
+            <a:r>
+              <a:rPr lang="en-US" sz="1400" dirty="0"/>
+              <a:t>Time series is sequence of numerical data points successive order. In investing a time series tracks the movement of the chosen data points, such as accidents data over a specified period of time with data points recorded at regular intervals. The additive decomposition is the most appropriate if the magnitude of the seasonal fluctuations, or the variation around the trend-cycle, does not vary with the level of the time series.</a:t>
+            </a:r>
+          </a:p>
+          <a:p>
+            <a:endParaRPr lang="en-US" sz="1400" dirty="0"/>
+          </a:p>
+          <a:p>
+            <a:r>
+              <a:rPr lang="en-US" sz="1400" b="1" dirty="0"/>
+              <a:t>Trend</a:t>
+            </a:r>
+            <a:r>
+              <a:rPr lang="en-US" sz="1400" dirty="0"/>
+              <a:t> → a general systematic linear or (most often) nonlinear component that changes over time and does not repeat</a:t>
+            </a:r>
+            <a:br>
+              <a:rPr lang="en-US" sz="1400" dirty="0"/>
+            </a:br>
+            <a:r>
+              <a:rPr lang="en-US" sz="1400" b="1" dirty="0"/>
+              <a:t>Seasonality</a:t>
+            </a:r>
+            <a:r>
+              <a:rPr lang="en-US" sz="1400" dirty="0"/>
+              <a:t> → a general systematic linear or (most often) nonlinear component that changes over time and does repeat</a:t>
+            </a:r>
+          </a:p>
+          <a:p>
+            <a:r>
+              <a:rPr lang="en-US" sz="1400" b="1" dirty="0"/>
+              <a:t>Residual </a:t>
+            </a:r>
+            <a:r>
+              <a:rPr lang="en-US" sz="1400" dirty="0"/>
+              <a:t>→ errors themselves form a time series that can have temporal structure. A simple autoregression model of this structure can be used to predict the forecast error, which in turn can be used to correct forecasts. This type of model is called a moving average model, the same name but very different from moving average smoothing.</a:t>
+            </a:r>
+          </a:p>
+        </p:txBody>
+      </p:sp>
     </p:spTree>
     <p:extLst>
       <p:ext uri="{BB962C8B-B14F-4D97-AF65-F5344CB8AC3E}">
@@ -18282,18 +18194,20 @@
         </p:nvSpPr>
         <p:spPr>
           <a:xfrm>
-            <a:off x="1295400" y="503853"/>
-            <a:ext cx="9601200" cy="550247"/>
+            <a:off x="2590800" y="304800"/>
+            <a:ext cx="6324600" cy="550247"/>
           </a:xfrm>
         </p:spPr>
         <p:txBody>
-          <a:bodyPr/>
+          <a:bodyPr>
+            <a:normAutofit fontScale="90000"/>
+          </a:bodyPr>
           <a:lstStyle/>
           <a:p>
-            <a:pPr fontAlgn="base"/>
+            <a:pPr algn="ctr" fontAlgn="base"/>
             <a:r>
               <a:rPr lang="en-US" dirty="0"/>
-              <a:t>Plot Diagnostics</a:t>
+              <a:t>Accident Data - Plot Diagnostics</a:t>
             </a:r>
           </a:p>
         </p:txBody>
@@ -18303,7 +18217,7 @@
           <p:cNvPr id="6" name="Picture 5">
             <a:extLst>
               <a:ext uri="{FF2B5EF4-FFF2-40B4-BE49-F238E27FC236}">
-                <a16:creationId xmlns:a16="http://schemas.microsoft.com/office/drawing/2014/main" id="{F94BCA70-77DF-4FD2-B086-C9561D944CF1}"/>
+                <a16:creationId xmlns:a16="http://schemas.microsoft.com/office/drawing/2014/main" xmlns="" id="{F94BCA70-77DF-4FD2-B086-C9561D944CF1}"/>
               </a:ext>
             </a:extLst>
           </p:cNvPr>
@@ -18320,8 +18234,8 @@
         </p:blipFill>
         <p:spPr>
           <a:xfrm>
-            <a:off x="1778939" y="1143000"/>
-            <a:ext cx="8634122" cy="4807596"/>
+            <a:off x="685800" y="1025202"/>
+            <a:ext cx="7162800" cy="4232598"/>
           </a:xfrm>
           <a:prstGeom prst="rect">
             <a:avLst/>
@@ -18342,6 +18256,94 @@
           </a:effectLst>
         </p:spPr>
       </p:pic>
+      <p:sp>
+        <p:nvSpPr>
+          <p:cNvPr id="3" name="Rectangle 2">
+            <a:extLst>
+              <a:ext uri="{FF2B5EF4-FFF2-40B4-BE49-F238E27FC236}">
+                <a16:creationId xmlns:a16="http://schemas.microsoft.com/office/drawing/2014/main" xmlns="" id="{AB679B6E-AEB9-459D-808B-A183ADF8F7D9}"/>
+              </a:ext>
+            </a:extLst>
+          </p:cNvPr>
+          <p:cNvSpPr/>
+          <p:nvPr/>
+        </p:nvSpPr>
+        <p:spPr>
+          <a:xfrm>
+            <a:off x="8001000" y="914400"/>
+            <a:ext cx="3657600" cy="4524315"/>
+          </a:xfrm>
+          <a:prstGeom prst="rect">
+            <a:avLst/>
+          </a:prstGeom>
+        </p:spPr>
+        <p:txBody>
+          <a:bodyPr wrap="square">
+            <a:spAutoFit/>
+          </a:bodyPr>
+          <a:lstStyle/>
+          <a:p>
+            <a:pPr algn="just"/>
+            <a:r>
+              <a:rPr lang="en-US" sz="1200" dirty="0">
+                <a:sym typeface="Wingdings" panose="05000000000000000000" pitchFamily="2" charset="2"/>
+              </a:rPr>
+              <a:t> </a:t>
+            </a:r>
+            <a:r>
+              <a:rPr lang="en-US" sz="1200" dirty="0"/>
+              <a:t>The standardized residual is a measure of the strength of the difference between observed and expected values.  The difference between the observed count and the expected count and the standard deviation of the expected count in chi-square testing.</a:t>
+            </a:r>
+          </a:p>
+          <a:p>
+            <a:pPr algn="just"/>
+            <a:r>
+              <a:rPr lang="en-US" sz="1200" dirty="0">
+                <a:sym typeface="Wingdings" panose="05000000000000000000" pitchFamily="2" charset="2"/>
+              </a:rPr>
+              <a:t> </a:t>
+            </a:r>
+            <a:r>
+              <a:rPr lang="en-US" sz="1200" dirty="0">
+                <a:solidFill>
+                  <a:srgbClr val="000000"/>
+                </a:solidFill>
+              </a:rPr>
+              <a:t>The Q-Q plot, or quantile-quantile plot, is a graphical tool to help us assess if a set of data plausibly came from some theoretical distribution such as a Normal or exponential. For example, if we run a statistical analysis that assumes our dependent variable is Normally distributed, we can use a Normal Q-Q plot to check that assumption.</a:t>
+            </a:r>
+          </a:p>
+          <a:p>
+            <a:pPr algn="just"/>
+            <a:r>
+              <a:rPr lang="en-US" sz="1200" dirty="0">
+                <a:sym typeface="Wingdings" panose="05000000000000000000" pitchFamily="2" charset="2"/>
+              </a:rPr>
+              <a:t> </a:t>
+            </a:r>
+            <a:r>
+              <a:rPr lang="en-US" sz="1200" dirty="0"/>
+              <a:t>A correlogram (also called Auto Correlation Function ACF Plot or Autocorrelation plot) is a visual way to show serial correlation in data that changes over time (i.e. time series data). </a:t>
+            </a:r>
+          </a:p>
+          <a:p>
+            <a:pPr algn="just"/>
+            <a:r>
+              <a:rPr lang="en-US" sz="1200" dirty="0">
+                <a:sym typeface="Wingdings" panose="05000000000000000000" pitchFamily="2" charset="2"/>
+              </a:rPr>
+              <a:t> </a:t>
+            </a:r>
+            <a:r>
+              <a:rPr lang="en-US" sz="1200" dirty="0"/>
+              <a:t>Kernel density estimation (KDE) is a non-parametric way to estimate the probability density function of a random variable. Kernel density estimation is a fundamental data smoothing problem where inferences about the population are made, based on a finite data sample. </a:t>
+            </a:r>
+          </a:p>
+          <a:p>
+            <a:pPr algn="just"/>
+            <a:endParaRPr lang="en-US" sz="1200" dirty="0"/>
+          </a:p>
+        </p:txBody>
+      </p:sp>
     </p:spTree>
     <p:extLst>
       <p:ext uri="{BB962C8B-B14F-4D97-AF65-F5344CB8AC3E}">
